--- a/ANDROID APP TO CONNECT FARMER TO CUSTOMERS.pptx
+++ b/ANDROID APP TO CONNECT FARMER TO CUSTOMERS.pptx
@@ -297,7 +297,7 @@
           <a:p>
             <a:fld id="{48A87A34-81AB-432B-8DAE-1953F412C126}" type="datetimeFigureOut">
               <a:rPr lang="en-US" smtClean="0"/>
-              <a:t>11/6/2023</a:t>
+              <a:t>11/16/2023</a:t>
             </a:fld>
             <a:endParaRPr lang="en-US" dirty="0"/>
           </a:p>
@@ -565,7 +565,7 @@
             <a:fld id="{48A87A34-81AB-432B-8DAE-1953F412C126}" type="datetimeFigureOut">
               <a:rPr lang="en-US" smtClean="0"/>
               <a:pPr/>
-              <a:t>11/6/2023</a:t>
+              <a:t>11/16/2023</a:t>
             </a:fld>
             <a:endParaRPr lang="en-US" dirty="0"/>
           </a:p>
@@ -798,7 +798,7 @@
             <a:fld id="{48A87A34-81AB-432B-8DAE-1953F412C126}" type="datetimeFigureOut">
               <a:rPr lang="en-US" smtClean="0"/>
               <a:pPr/>
-              <a:t>11/6/2023</a:t>
+              <a:t>11/16/2023</a:t>
             </a:fld>
             <a:endParaRPr lang="en-US" dirty="0"/>
           </a:p>
@@ -1110,7 +1110,7 @@
             <a:fld id="{48A87A34-81AB-432B-8DAE-1953F412C126}" type="datetimeFigureOut">
               <a:rPr lang="en-US" smtClean="0"/>
               <a:pPr/>
-              <a:t>11/6/2023</a:t>
+              <a:t>11/16/2023</a:t>
             </a:fld>
             <a:endParaRPr lang="en-US" dirty="0"/>
           </a:p>
@@ -1585,7 +1585,7 @@
             <a:fld id="{48A87A34-81AB-432B-8DAE-1953F412C126}" type="datetimeFigureOut">
               <a:rPr lang="en-US" smtClean="0"/>
               <a:pPr/>
-              <a:t>11/6/2023</a:t>
+              <a:t>11/16/2023</a:t>
             </a:fld>
             <a:endParaRPr lang="en-US" dirty="0"/>
           </a:p>
@@ -2134,7 +2134,7 @@
             <a:fld id="{48A87A34-81AB-432B-8DAE-1953F412C126}" type="datetimeFigureOut">
               <a:rPr lang="en-US" smtClean="0"/>
               <a:pPr/>
-              <a:t>11/6/2023</a:t>
+              <a:t>11/16/2023</a:t>
             </a:fld>
             <a:endParaRPr lang="en-US" dirty="0"/>
           </a:p>
@@ -2910,7 +2910,7 @@
             <a:fld id="{48A87A34-81AB-432B-8DAE-1953F412C126}" type="datetimeFigureOut">
               <a:rPr lang="en-US" smtClean="0"/>
               <a:pPr/>
-              <a:t>11/6/2023</a:t>
+              <a:t>11/16/2023</a:t>
             </a:fld>
             <a:endParaRPr lang="en-US" dirty="0"/>
           </a:p>
@@ -3086,7 +3086,7 @@
           <a:p>
             <a:fld id="{48A87A34-81AB-432B-8DAE-1953F412C126}" type="datetimeFigureOut">
               <a:rPr lang="en-US" smtClean="0"/>
-              <a:t>11/6/2023</a:t>
+              <a:t>11/16/2023</a:t>
             </a:fld>
             <a:endParaRPr lang="en-US" dirty="0"/>
           </a:p>
@@ -3309,7 +3309,7 @@
           <a:p>
             <a:fld id="{48A87A34-81AB-432B-8DAE-1953F412C126}" type="datetimeFigureOut">
               <a:rPr lang="en-US" smtClean="0"/>
-              <a:t>11/6/2023</a:t>
+              <a:t>11/16/2023</a:t>
             </a:fld>
             <a:endParaRPr lang="en-US" dirty="0"/>
           </a:p>
@@ -3489,7 +3489,7 @@
           <a:p>
             <a:fld id="{48A87A34-81AB-432B-8DAE-1953F412C126}" type="datetimeFigureOut">
               <a:rPr lang="en-US" smtClean="0"/>
-              <a:t>11/6/2023</a:t>
+              <a:t>11/16/2023</a:t>
             </a:fld>
             <a:endParaRPr lang="en-US" dirty="0"/>
           </a:p>
@@ -3778,7 +3778,7 @@
           <a:p>
             <a:fld id="{48A87A34-81AB-432B-8DAE-1953F412C126}" type="datetimeFigureOut">
               <a:rPr lang="en-US" smtClean="0"/>
-              <a:t>11/6/2023</a:t>
+              <a:t>11/16/2023</a:t>
             </a:fld>
             <a:endParaRPr lang="en-US" dirty="0"/>
           </a:p>
@@ -4020,7 +4020,7 @@
           <a:p>
             <a:fld id="{48A87A34-81AB-432B-8DAE-1953F412C126}" type="datetimeFigureOut">
               <a:rPr lang="en-US" smtClean="0"/>
-              <a:t>11/6/2023</a:t>
+              <a:t>11/16/2023</a:t>
             </a:fld>
             <a:endParaRPr lang="en-US" dirty="0"/>
           </a:p>
@@ -4399,7 +4399,7 @@
           <a:p>
             <a:fld id="{48A87A34-81AB-432B-8DAE-1953F412C126}" type="datetimeFigureOut">
               <a:rPr lang="en-US" smtClean="0"/>
-              <a:t>11/6/2023</a:t>
+              <a:t>11/16/2023</a:t>
             </a:fld>
             <a:endParaRPr lang="en-US" dirty="0"/>
           </a:p>
@@ -4517,7 +4517,7 @@
           <a:p>
             <a:fld id="{48A87A34-81AB-432B-8DAE-1953F412C126}" type="datetimeFigureOut">
               <a:rPr lang="en-US" smtClean="0"/>
-              <a:t>11/6/2023</a:t>
+              <a:t>11/16/2023</a:t>
             </a:fld>
             <a:endParaRPr lang="en-US" dirty="0"/>
           </a:p>
@@ -4612,7 +4612,7 @@
           <a:p>
             <a:fld id="{48A87A34-81AB-432B-8DAE-1953F412C126}" type="datetimeFigureOut">
               <a:rPr lang="en-US" smtClean="0"/>
-              <a:t>11/6/2023</a:t>
+              <a:t>11/16/2023</a:t>
             </a:fld>
             <a:endParaRPr lang="en-US" dirty="0"/>
           </a:p>
@@ -4861,7 +4861,7 @@
           <a:p>
             <a:fld id="{48A87A34-81AB-432B-8DAE-1953F412C126}" type="datetimeFigureOut">
               <a:rPr lang="en-US" smtClean="0"/>
-              <a:t>11/6/2023</a:t>
+              <a:t>11/16/2023</a:t>
             </a:fld>
             <a:endParaRPr lang="en-US" dirty="0"/>
           </a:p>
@@ -5119,7 +5119,7 @@
             <a:fld id="{48A87A34-81AB-432B-8DAE-1953F412C126}" type="datetimeFigureOut">
               <a:rPr lang="en-US" smtClean="0"/>
               <a:pPr/>
-              <a:t>11/6/2023</a:t>
+              <a:t>11/16/2023</a:t>
             </a:fld>
             <a:endParaRPr lang="en-US" dirty="0"/>
           </a:p>
@@ -5363,7 +5363,7 @@
             <a:fld id="{48A87A34-81AB-432B-8DAE-1953F412C126}" type="datetimeFigureOut">
               <a:rPr lang="en-US" smtClean="0"/>
               <a:pPr/>
-              <a:t>11/6/2023</a:t>
+              <a:t>11/16/2023</a:t>
             </a:fld>
             <a:endParaRPr lang="en-US" dirty="0"/>
           </a:p>
@@ -5794,7 +5794,7 @@
         <p:spPr>
           <a:xfrm>
             <a:off x="2603134" y="59442"/>
-            <a:ext cx="6472517" cy="2514536"/>
+            <a:ext cx="6690156" cy="2514536"/>
           </a:xfrm>
         </p:spPr>
         <p:txBody>
@@ -5806,12 +5806,28 @@
             <a:pPr algn="ctr"/>
             <a:r>
               <a:rPr lang="en-US" sz="3200" b="1" dirty="0">
-                <a:effectLst/>
                 <a:latin typeface="Times New Roman" panose="02020603050405020304" pitchFamily="18" charset="0"/>
                 <a:ea typeface="Calibri" panose="020F0502020204030204" pitchFamily="34" charset="0"/>
                 <a:cs typeface="Mangal" panose="02040503050203030202" pitchFamily="18" charset="0"/>
               </a:rPr>
-              <a:t>ANDROID APP TO CONNECT FARMER TO CUSTOMERS</a:t>
+              <a:t>WEBSITE</a:t>
+            </a:r>
+            <a:r>
+              <a:rPr lang="en-US" sz="3200" b="1" dirty="0">
+                <a:effectLst/>
+                <a:latin typeface="Times New Roman" panose="02020603050405020304" pitchFamily="18" charset="0"/>
+                <a:ea typeface="Calibri" panose="020F0502020204030204" pitchFamily="34" charset="0"/>
+                <a:cs typeface="Mangal" panose="02040503050203030202" pitchFamily="18" charset="0"/>
+              </a:rPr>
+              <a:t> TO CONNECT FARMERS TO </a:t>
+            </a:r>
+            <a:r>
+              <a:rPr lang="en-US" sz="3200" b="1" dirty="0">
+                <a:latin typeface="Times New Roman" panose="02020603050405020304" pitchFamily="18" charset="0"/>
+                <a:ea typeface="Calibri" panose="020F0502020204030204" pitchFamily="34" charset="0"/>
+                <a:cs typeface="Mangal" panose="02040503050203030202" pitchFamily="18" charset="0"/>
+              </a:rPr>
+              <a:t>DIGITAL MARKET</a:t>
             </a:r>
             <a:br>
               <a:rPr lang="en-IN" sz="1200" dirty="0">
@@ -5825,73 +5841,6 @@
           </a:p>
         </p:txBody>
       </p:sp>
-      <p:pic>
-        <p:nvPicPr>
-          <p:cNvPr id="4" name="Picture 3">
-            <a:extLst>
-              <a:ext uri="{FF2B5EF4-FFF2-40B4-BE49-F238E27FC236}">
-                <a16:creationId xmlns:a16="http://schemas.microsoft.com/office/drawing/2014/main" id="{CF34C231-989A-B815-642F-11B10C29A8F1}"/>
-              </a:ext>
-            </a:extLst>
-          </p:cNvPr>
-          <p:cNvPicPr>
-            <a:picLocks noChangeAspect="1"/>
-          </p:cNvPicPr>
-          <p:nvPr/>
-        </p:nvPicPr>
-        <p:blipFill>
-          <a:blip r:embed="rId2">
-            <a:extLst>
-              <a:ext uri="{28A0092B-C50C-407E-A947-70E740481C1C}">
-                <a14:useLocalDpi xmlns:a14="http://schemas.microsoft.com/office/drawing/2010/main" val="0"/>
-              </a:ext>
-            </a:extLst>
-          </a:blip>
-          <a:srcRect/>
-          <a:stretch>
-            <a:fillRect/>
-          </a:stretch>
-        </p:blipFill>
-        <p:spPr bwMode="auto">
-          <a:xfrm>
-            <a:off x="5189527" y="2331587"/>
-            <a:ext cx="1133475" cy="945776"/>
-          </a:xfrm>
-          <a:prstGeom prst="snip2DiagRect">
-            <a:avLst/>
-          </a:prstGeom>
-          <a:solidFill>
-            <a:srgbClr val="FFFFFF">
-              <a:shade val="85000"/>
-            </a:srgbClr>
-          </a:solidFill>
-          <a:ln w="88900" cap="sq">
-            <a:solidFill>
-              <a:srgbClr val="FFFFFF"/>
-            </a:solidFill>
-            <a:miter lim="800000"/>
-          </a:ln>
-          <a:effectLst>
-            <a:outerShdw blurRad="88900" algn="tl" rotWithShape="0">
-              <a:srgbClr val="000000">
-                <a:alpha val="45000"/>
-              </a:srgbClr>
-            </a:outerShdw>
-          </a:effectLst>
-          <a:scene3d>
-            <a:camera prst="orthographicFront"/>
-            <a:lightRig rig="twoPt" dir="t">
-              <a:rot lat="0" lon="0" rev="7200000"/>
-            </a:lightRig>
-          </a:scene3d>
-          <a:sp3d>
-            <a:bevelT w="25400" h="19050"/>
-            <a:contourClr>
-              <a:srgbClr val="FFFFFF"/>
-            </a:contourClr>
-          </a:sp3d>
-        </p:spPr>
-      </p:pic>
       <p:sp>
         <p:nvSpPr>
           <p:cNvPr id="20" name="Subtitle 2">
@@ -5980,7 +5929,23 @@
                 <a:ea typeface="Calibri" panose="020F0502020204030204" pitchFamily="34" charset="0"/>
                 <a:cs typeface="Mangal" panose="02040503050203030202" pitchFamily="18" charset="0"/>
               </a:rPr>
-              <a:t> Bharambe(200105121028)</a:t>
+              <a:t> </a:t>
+            </a:r>
+            <a:r>
+              <a:rPr lang="en-US" sz="5600" b="1" dirty="0" err="1">
+                <a:latin typeface="+mj-lt"/>
+                <a:ea typeface="Calibri" panose="020F0502020204030204" pitchFamily="34" charset="0"/>
+                <a:cs typeface="Mangal" panose="02040503050203030202" pitchFamily="18" charset="0"/>
+              </a:rPr>
+              <a:t>Bharambe</a:t>
+            </a:r>
+            <a:r>
+              <a:rPr lang="en-US" sz="5600" b="1" dirty="0">
+                <a:latin typeface="+mj-lt"/>
+                <a:ea typeface="Calibri" panose="020F0502020204030204" pitchFamily="34" charset="0"/>
+                <a:cs typeface="Mangal" panose="02040503050203030202" pitchFamily="18" charset="0"/>
+              </a:rPr>
+              <a:t> (23202103)</a:t>
             </a:r>
           </a:p>
           <a:p>
@@ -5990,36 +5955,12 @@
               </a:lnSpc>
             </a:pPr>
             <a:r>
-              <a:rPr lang="en-US" sz="5600" b="1" dirty="0" err="1">
-                <a:latin typeface="+mj-lt"/>
-                <a:ea typeface="Calibri" panose="020F0502020204030204" pitchFamily="34" charset="0"/>
-                <a:cs typeface="Mangal" panose="02040503050203030202" pitchFamily="18" charset="0"/>
-              </a:rPr>
-              <a:t>Harshal</a:t>
-            </a:r>
-            <a:r>
               <a:rPr lang="en-US" sz="5600" b="1" dirty="0">
                 <a:latin typeface="+mj-lt"/>
                 <a:ea typeface="Calibri" panose="020F0502020204030204" pitchFamily="34" charset="0"/>
                 <a:cs typeface="Mangal" panose="02040503050203030202" pitchFamily="18" charset="0"/>
               </a:rPr>
-              <a:t> Ulhas </a:t>
-            </a:r>
-            <a:r>
-              <a:rPr lang="en-US" sz="5600" b="1" dirty="0" err="1">
-                <a:latin typeface="+mj-lt"/>
-                <a:ea typeface="Calibri" panose="020F0502020204030204" pitchFamily="34" charset="0"/>
-                <a:cs typeface="Mangal" panose="02040503050203030202" pitchFamily="18" charset="0"/>
-              </a:rPr>
-              <a:t>Thorat</a:t>
-            </a:r>
-            <a:r>
-              <a:rPr lang="en-US" sz="5600" b="1" dirty="0">
-                <a:latin typeface="+mj-lt"/>
-                <a:ea typeface="Calibri" panose="020F0502020204030204" pitchFamily="34" charset="0"/>
-                <a:cs typeface="Mangal" panose="02040503050203030202" pitchFamily="18" charset="0"/>
-              </a:rPr>
-              <a:t>(200105121024)</a:t>
+              <a:t>Shailesh Ramchandra Patil (232021036)</a:t>
             </a:r>
           </a:p>
           <a:p>
@@ -6029,21 +5970,13 @@
               </a:lnSpc>
             </a:pPr>
             <a:r>
-              <a:rPr lang="en-US" sz="5600" b="1" dirty="0" err="1">
+              <a:rPr lang="en-US" sz="5600" b="1" dirty="0">
                 <a:effectLst/>
                 <a:latin typeface="+mj-lt"/>
                 <a:ea typeface="Calibri" panose="020F0502020204030204" pitchFamily="34" charset="0"/>
                 <a:cs typeface="Mangal" panose="02040503050203030202" pitchFamily="18" charset="0"/>
               </a:rPr>
-              <a:t>H</a:t>
-            </a:r>
-            <a:r>
-              <a:rPr lang="en-US" sz="5600" b="1" dirty="0" err="1">
-                <a:latin typeface="+mj-lt"/>
-                <a:ea typeface="Calibri" panose="020F0502020204030204" pitchFamily="34" charset="0"/>
-                <a:cs typeface="Mangal" panose="02040503050203030202" pitchFamily="18" charset="0"/>
-              </a:rPr>
-              <a:t>ritvik</a:t>
+              <a:t>Prasad Dilip Bhandare </a:t>
             </a:r>
             <a:r>
               <a:rPr lang="en-US" sz="5600" b="1" dirty="0">
@@ -6051,23 +5984,7 @@
                 <a:ea typeface="Calibri" panose="020F0502020204030204" pitchFamily="34" charset="0"/>
                 <a:cs typeface="Mangal" panose="02040503050203030202" pitchFamily="18" charset="0"/>
               </a:rPr>
-              <a:t> </a:t>
-            </a:r>
-            <a:r>
-              <a:rPr lang="en-US" sz="5600" b="1" dirty="0" err="1">
-                <a:latin typeface="+mj-lt"/>
-                <a:ea typeface="Calibri" panose="020F0502020204030204" pitchFamily="34" charset="0"/>
-                <a:cs typeface="Mangal" panose="02040503050203030202" pitchFamily="18" charset="0"/>
-              </a:rPr>
-              <a:t>Ramashankar</a:t>
-            </a:r>
-            <a:r>
-              <a:rPr lang="en-US" sz="5600" b="1" dirty="0">
-                <a:latin typeface="+mj-lt"/>
-                <a:ea typeface="Calibri" panose="020F0502020204030204" pitchFamily="34" charset="0"/>
-                <a:cs typeface="Mangal" panose="02040503050203030202" pitchFamily="18" charset="0"/>
-              </a:rPr>
-              <a:t> Gupta(200105121023)</a:t>
+              <a:t>(232021037)</a:t>
             </a:r>
           </a:p>
           <a:p>
@@ -6083,25 +6000,24 @@
                 <a:ea typeface="Calibri" panose="020F0502020204030204" pitchFamily="34" charset="0"/>
                 <a:cs typeface="Mangal" panose="02040503050203030202" pitchFamily="18" charset="0"/>
               </a:rPr>
-              <a:t>Pranav Ravindra </a:t>
-            </a:r>
-            <a:r>
-              <a:rPr lang="en-US" sz="5600" b="1" dirty="0" err="1">
+              <a:t>Saurabh Gade (</a:t>
+            </a:r>
+            <a:r>
+              <a:rPr lang="en-US" sz="5600" b="1" dirty="0">
+                <a:latin typeface="+mj-lt"/>
+                <a:ea typeface="Calibri" panose="020F0502020204030204" pitchFamily="34" charset="0"/>
+                <a:cs typeface="Mangal" panose="02040503050203030202" pitchFamily="18" charset="0"/>
+              </a:rPr>
+              <a:t>23202103</a:t>
+            </a:r>
+            <a:r>
+              <a:rPr lang="en-US" sz="5600" b="1" dirty="0">
                 <a:effectLst/>
                 <a:latin typeface="Times New Roman" panose="02020603050405020304" pitchFamily="18" charset="0"/>
                 <a:ea typeface="Calibri" panose="020F0502020204030204" pitchFamily="34" charset="0"/>
                 <a:cs typeface="Mangal" panose="02040503050203030202" pitchFamily="18" charset="0"/>
               </a:rPr>
-              <a:t>Nakil</a:t>
-            </a:r>
-            <a:r>
-              <a:rPr lang="en-US" sz="5600" b="1" dirty="0">
-                <a:effectLst/>
-                <a:latin typeface="Times New Roman" panose="02020603050405020304" pitchFamily="18" charset="0"/>
-                <a:ea typeface="Calibri" panose="020F0502020204030204" pitchFamily="34" charset="0"/>
-                <a:cs typeface="Mangal" panose="02040503050203030202" pitchFamily="18" charset="0"/>
-              </a:rPr>
-              <a:t> (210105122003)</a:t>
+              <a:t>)</a:t>
             </a:r>
             <a:endParaRPr lang="en-IN" sz="5600" b="1" dirty="0">
               <a:effectLst/>
@@ -7734,7 +7650,24 @@
                 <a:ea typeface="Calibri" panose="020F0502020204030204" pitchFamily="34" charset="0"/>
                 <a:cs typeface="Mangal" panose="02040503050203030202" pitchFamily="18" charset="0"/>
               </a:rPr>
-              <a:t>expected outcomes about building an android application with the intention of direct chain of farmers and merchants.</a:t>
+              <a:t>expected outcomes about building </a:t>
+            </a:r>
+            <a:r>
+              <a:rPr lang="en-US" sz="1500" dirty="0">
+                <a:latin typeface="Times New Roman" panose="02020603050405020304" pitchFamily="18" charset="0"/>
+                <a:ea typeface="Calibri" panose="020F0502020204030204" pitchFamily="34" charset="0"/>
+                <a:cs typeface="Mangal" panose="02040503050203030202" pitchFamily="18" charset="0"/>
+              </a:rPr>
+              <a:t>a website </a:t>
+            </a:r>
+            <a:r>
+              <a:rPr lang="en-US" sz="1500" dirty="0">
+                <a:effectLst/>
+                <a:latin typeface="Times New Roman" panose="02020603050405020304" pitchFamily="18" charset="0"/>
+                <a:ea typeface="Calibri" panose="020F0502020204030204" pitchFamily="34" charset="0"/>
+                <a:cs typeface="Mangal" panose="02040503050203030202" pitchFamily="18" charset="0"/>
+              </a:rPr>
+              <a:t>with the intention of direct chain of farmers , merchants and customers.</a:t>
             </a:r>
             <a:endParaRPr lang="en-IN" sz="1500" dirty="0">
               <a:effectLst/>
@@ -7759,7 +7692,7 @@
                 <a:ea typeface="Calibri" panose="020F0502020204030204" pitchFamily="34" charset="0"/>
                 <a:cs typeface="Mangal" panose="02040503050203030202" pitchFamily="18" charset="0"/>
               </a:rPr>
-              <a:t> The direct chain of farmers and merchants would be able to sell their products directly to consumers through the android application. This would allow for a more efficient and cost-effective way of selling goods.</a:t>
+              <a:t> The direct chain of farmers and merchants would be able to sell their products directly to consumers through the website. This would allow for a more efficient and cost-effective way of selling goods.</a:t>
             </a:r>
             <a:endParaRPr lang="en-IN" sz="1500" dirty="0">
               <a:effectLst/>
@@ -7784,7 +7717,7 @@
                 <a:ea typeface="Calibri" panose="020F0502020204030204" pitchFamily="34" charset="0"/>
                 <a:cs typeface="Mangal" panose="02040503050203030202" pitchFamily="18" charset="0"/>
               </a:rPr>
-              <a:t>In our application farmers are selling their goods directly to the merchants</a:t>
+              <a:t>In our website farmers are selling their goods directly to the merchants and customers.</a:t>
             </a:r>
             <a:endParaRPr lang="en-IN" sz="1500" dirty="0">
               <a:effectLst/>
@@ -8018,7 +7951,7 @@
                 <a:ea typeface="Calibri" panose="020F0502020204030204" pitchFamily="34" charset="0"/>
                 <a:cs typeface="Mangal" panose="02040503050203030202" pitchFamily="18" charset="0"/>
               </a:rPr>
-              <a:t>It is possible to build an Android application that would enable direct communication between farmers and merchants. However, such an application would require a significant amount of development work and would need to be carefully designed to ensure that it is user-friendly and easy to use. Furthermore, it is important to consider the potential security risks associated with any direct communication between farmers and merchants.</a:t>
+              <a:t>It is possible to build a website that would enable direct communication between farmers , merchants and customers. However, such a website would require a significant amount of development work and would need to be carefully designed to ensure that it is user-friendly and easy to use. Furthermore, it is important to consider the potential security risks associated with any direct communication between farmers and merchants.</a:t>
             </a:r>
             <a:endParaRPr lang="en-IN" sz="1800" dirty="0">
               <a:effectLst/>
@@ -8620,7 +8553,7 @@
         </p:spPr>
         <p:txBody>
           <a:bodyPr>
-            <a:normAutofit fontScale="85000" lnSpcReduction="20000"/>
+            <a:normAutofit fontScale="77500" lnSpcReduction="20000"/>
           </a:bodyPr>
           <a:lstStyle/>
           <a:p>
@@ -8639,7 +8572,24 @@
                 <a:ea typeface="Calibri" panose="020F0502020204030204" pitchFamily="34" charset="0"/>
                 <a:cs typeface="Mangal" panose="02040503050203030202" pitchFamily="18" charset="0"/>
               </a:rPr>
-              <a:t>The objective of this application is to allow farmers to sell their products directly to merchants, without having to go through any intermediaries. This will allow them to get better prices for their products, and will also allow merchants to get better quality products at a lower price. The application will allow farmers to list their products for sale, and will allow merchants to browse through these listings and make offers on the products they are interested in. Once an offer is made, the farmer will be able to accept or reject it. If the farmer accepts the offer, the merchant will be able to pick up the product from the farmer's location. The application will also allow farmers to track the status of their products, and will allow merchants to track the status of their orders.</a:t>
+              <a:t>The objective of this </a:t>
+            </a:r>
+            <a:r>
+              <a:rPr lang="en-US" sz="1800" dirty="0">
+                <a:latin typeface="Times New Roman" panose="02020603050405020304" pitchFamily="18" charset="0"/>
+                <a:ea typeface="Calibri" panose="020F0502020204030204" pitchFamily="34" charset="0"/>
+                <a:cs typeface="Mangal" panose="02040503050203030202" pitchFamily="18" charset="0"/>
+              </a:rPr>
+              <a:t>website</a:t>
+            </a:r>
+            <a:r>
+              <a:rPr lang="en-US" sz="1800" dirty="0">
+                <a:effectLst/>
+                <a:latin typeface="Times New Roman" panose="02020603050405020304" pitchFamily="18" charset="0"/>
+                <a:ea typeface="Calibri" panose="020F0502020204030204" pitchFamily="34" charset="0"/>
+                <a:cs typeface="Mangal" panose="02040503050203030202" pitchFamily="18" charset="0"/>
+              </a:rPr>
+              <a:t> is to allow farmers to sell their products directly to merchants, without having to go through any intermediaries. This will allow them to get better prices for their products, and will also allow merchants to get better quality products at a lower price. The application will allow farmers to list their products for sale, and will allow merchants to browse through these listings and make offers on the products they are interested in. Once an offer is made, the farmer will be able to accept or reject it. If the farmer accepts the offer, the merchant will be able to pick up the product from the farmer's location. The application will also allow farmers to track the status of their products, and will allow merchants to track the status of their orders.</a:t>
             </a:r>
             <a:endParaRPr lang="en-IN" sz="1800" dirty="0">
               <a:effectLst/>
@@ -8664,7 +8614,58 @@
                 <a:ea typeface="Calibri" panose="020F0502020204030204" pitchFamily="34" charset="0"/>
                 <a:cs typeface="Mangal" panose="02040503050203030202" pitchFamily="18" charset="0"/>
               </a:rPr>
-              <a:t>The aim of this project is to develop an Android application that can be used by farmers to sell their produce directly to merchants. The application will allow farmers to list their products and prices, and merchants will be able to browse and purchase items from farmers. The application will also provide a messaging system so that farmers and merchants can communicate with each other.</a:t>
+              <a:t>The aim of this project is to develop </a:t>
+            </a:r>
+            <a:r>
+              <a:rPr lang="en-US" sz="1800" dirty="0">
+                <a:latin typeface="Times New Roman" panose="02020603050405020304" pitchFamily="18" charset="0"/>
+                <a:ea typeface="Calibri" panose="020F0502020204030204" pitchFamily="34" charset="0"/>
+                <a:cs typeface="Mangal" panose="02040503050203030202" pitchFamily="18" charset="0"/>
+              </a:rPr>
+              <a:t>website</a:t>
+            </a:r>
+            <a:r>
+              <a:rPr lang="en-US" sz="1800" dirty="0">
+                <a:effectLst/>
+                <a:latin typeface="Times New Roman" panose="02020603050405020304" pitchFamily="18" charset="0"/>
+                <a:ea typeface="Calibri" panose="020F0502020204030204" pitchFamily="34" charset="0"/>
+                <a:cs typeface="Mangal" panose="02040503050203030202" pitchFamily="18" charset="0"/>
+              </a:rPr>
+              <a:t> that can be used by farmers and merchants to sell their produce directly to customers and restaurants. The website will allow farmers to list their products and prices, and merchants or</a:t>
+            </a:r>
+            <a:r>
+              <a:rPr lang="en-US" sz="1800" dirty="0">
+                <a:latin typeface="Times New Roman" panose="02020603050405020304" pitchFamily="18" charset="0"/>
+                <a:ea typeface="Calibri" panose="020F0502020204030204" pitchFamily="34" charset="0"/>
+                <a:cs typeface="Mangal" panose="02040503050203030202" pitchFamily="18" charset="0"/>
+              </a:rPr>
+              <a:t> customers </a:t>
+            </a:r>
+            <a:r>
+              <a:rPr lang="en-US" sz="1800" dirty="0">
+                <a:effectLst/>
+                <a:latin typeface="Times New Roman" panose="02020603050405020304" pitchFamily="18" charset="0"/>
+                <a:ea typeface="Calibri" panose="020F0502020204030204" pitchFamily="34" charset="0"/>
+                <a:cs typeface="Mangal" panose="02040503050203030202" pitchFamily="18" charset="0"/>
+              </a:rPr>
+              <a:t>will be able to browse and purchase items from farmers. The website will also provide a messaging system so that farmers </a:t>
+            </a:r>
+            <a:r>
+              <a:rPr lang="en-US" sz="1800" dirty="0">
+                <a:latin typeface="Times New Roman" panose="02020603050405020304" pitchFamily="18" charset="0"/>
+                <a:ea typeface="Calibri" panose="020F0502020204030204" pitchFamily="34" charset="0"/>
+                <a:cs typeface="Mangal" panose="02040503050203030202" pitchFamily="18" charset="0"/>
+              </a:rPr>
+              <a:t>,</a:t>
+            </a:r>
+            <a:r>
+              <a:rPr lang="en-US" sz="1800" dirty="0">
+                <a:effectLst/>
+                <a:latin typeface="Times New Roman" panose="02020603050405020304" pitchFamily="18" charset="0"/>
+                <a:ea typeface="Calibri" panose="020F0502020204030204" pitchFamily="34" charset="0"/>
+                <a:cs typeface="Mangal" panose="02040503050203030202" pitchFamily="18" charset="0"/>
+              </a:rPr>
+              <a:t> merchants and customers can communicate with each other.</a:t>
             </a:r>
             <a:endParaRPr lang="en-IN" sz="1800" dirty="0">
               <a:effectLst/>
@@ -8874,7 +8875,7 @@
                 <a:ea typeface="Calibri" panose="020F0502020204030204" pitchFamily="34" charset="0"/>
                 <a:cs typeface="Mangal" panose="02040503050203030202" pitchFamily="18" charset="0"/>
               </a:rPr>
-              <a:t>The application would allow farmers to sell their produce directly to merchants, without having to go through intermediaries. This would allow farmers to get better prices for their goods, and would allow merchants to get fresher goods at lower prices. This would benefit both farmers and merchants, and would likely increase the overall efficiency of the agricultural market.</a:t>
+              <a:t>The website would allow farmers to sell their produce directly to merchants, without having to go through intermediaries. This would allow farmers to get better prices for their goods, and would allow merchants to get fresher goods at lower prices. This would benefit both farmers and merchants, and would likely increase the overall efficiency of the agricultural market.</a:t>
             </a:r>
             <a:endParaRPr lang="en-IN" sz="1800" dirty="0">
               <a:effectLst/>
@@ -9159,7 +9160,7 @@
                 <a:ea typeface="Calibri" panose="020F0502020204030204" pitchFamily="34" charset="0"/>
                 <a:cs typeface="Mangal" panose="02040503050203030202" pitchFamily="18" charset="0"/>
               </a:rPr>
-              <a:t>Quick Registration- Download the app, register using google account or manually (Username, password, email, phone number).</a:t>
+              <a:t>Quick Registration- Visit the website, new registration (Username, password, email, phone number).</a:t>
             </a:r>
             <a:endParaRPr lang="en-IN" sz="5200" dirty="0">
               <a:effectLst/>
@@ -9183,7 +9184,24 @@
                 <a:ea typeface="Calibri" panose="020F0502020204030204" pitchFamily="34" charset="0"/>
                 <a:cs typeface="Mangal" panose="02040503050203030202" pitchFamily="18" charset="0"/>
               </a:rPr>
-              <a:t>The app would need to allow farmers to list their products and allow customers to browse and search for what they need.</a:t>
+              <a:t>The </a:t>
+            </a:r>
+            <a:r>
+              <a:rPr lang="en-US" sz="5200" dirty="0">
+                <a:latin typeface="Times New Roman" panose="02020603050405020304" pitchFamily="18" charset="0"/>
+                <a:ea typeface="Calibri" panose="020F0502020204030204" pitchFamily="34" charset="0"/>
+                <a:cs typeface="Mangal" panose="02040503050203030202" pitchFamily="18" charset="0"/>
+              </a:rPr>
+              <a:t>website</a:t>
+            </a:r>
+            <a:r>
+              <a:rPr lang="en-US" sz="5200" dirty="0">
+                <a:effectLst/>
+                <a:latin typeface="Times New Roman" panose="02020603050405020304" pitchFamily="18" charset="0"/>
+                <a:ea typeface="Calibri" panose="020F0502020204030204" pitchFamily="34" charset="0"/>
+                <a:cs typeface="Mangal" panose="02040503050203030202" pitchFamily="18" charset="0"/>
+              </a:rPr>
+              <a:t> would need to allow farmers to list their products and allow customers to browse and search for what they need.</a:t>
             </a:r>
             <a:endParaRPr lang="en-IN" sz="5200" dirty="0">
               <a:effectLst/>
@@ -9231,7 +9249,7 @@
                 <a:ea typeface="Calibri" panose="020F0502020204030204" pitchFamily="34" charset="0"/>
                 <a:cs typeface="Mangal" panose="02040503050203030202" pitchFamily="18" charset="0"/>
               </a:rPr>
-              <a:t> The app would need to track inventory, so that farmers know what they have available to sell, and customers know what is available to buy.</a:t>
+              <a:t> The website would need to track inventory, so that farmers know what they have available to sell, and customers know what is available to buy.</a:t>
             </a:r>
             <a:endParaRPr lang="en-IN" sz="5200" dirty="0">
               <a:effectLst/>
@@ -9258,7 +9276,7 @@
                 <a:ea typeface="Calibri" panose="020F0502020204030204" pitchFamily="34" charset="0"/>
                 <a:cs typeface="Mangal" panose="02040503050203030202" pitchFamily="18" charset="0"/>
               </a:rPr>
-              <a:t> The app would need to provide customer service, so that customers can get help if they have questions or problems.</a:t>
+              <a:t> The website would need to provide customer service, so that customers can get help if they have questions or problems.</a:t>
             </a:r>
             <a:endParaRPr lang="en-IN" sz="5200" dirty="0">
               <a:effectLst/>
@@ -9420,7 +9438,7 @@
                 <a:ea typeface="Calibri" panose="020F0502020204030204" pitchFamily="34" charset="0"/>
                 <a:cs typeface="Mangal" panose="02040503050203030202" pitchFamily="18" charset="0"/>
               </a:rPr>
-              <a:t>The feasibility study of an android agricultural application should include an analysis of the needs of the farmers, the android operating system, and the development environment.</a:t>
+              <a:t>The feasibility study of an android agricultural website should include an analysis of the needs of the farmers, the web browser of any operating system, and the development environment.</a:t>
             </a:r>
             <a:endParaRPr lang="en-IN" sz="1800" b="1" u="sng" dirty="0">
               <a:effectLst/>
